--- a/cspc105/2022/slides/lesson10.pptx
+++ b/cspc105/2022/slides/lesson10.pptx
@@ -5,7 +5,7 @@
     <p:sldMasterId id="2147483648" r:id="rId1"/>
   </p:sldMasterIdLst>
   <p:notesMasterIdLst>
-    <p:notesMasterId r:id="rId14"/>
+    <p:notesMasterId r:id="rId13"/>
   </p:notesMasterIdLst>
   <p:sldIdLst>
     <p:sldId id="256" r:id="rId2"/>
@@ -16,10 +16,9 @@
     <p:sldId id="286" r:id="rId7"/>
     <p:sldId id="288" r:id="rId8"/>
     <p:sldId id="282" r:id="rId9"/>
-    <p:sldId id="283" r:id="rId10"/>
-    <p:sldId id="287" r:id="rId11"/>
-    <p:sldId id="289" r:id="rId12"/>
-    <p:sldId id="279" r:id="rId13"/>
+    <p:sldId id="287" r:id="rId10"/>
+    <p:sldId id="289" r:id="rId11"/>
+    <p:sldId id="279" r:id="rId12"/>
   </p:sldIdLst>
   <p:sldSz cx="12192000" cy="6858000"/>
   <p:notesSz cx="6858000" cy="9144000"/>
@@ -634,7 +633,7 @@
     </p:spTree>
     <p:extLst>
       <p:ext uri="{BB962C8B-B14F-4D97-AF65-F5344CB8AC3E}">
-        <p14:creationId xmlns:p14="http://schemas.microsoft.com/office/powerpoint/2010/main" val="1451451880"/>
+        <p14:creationId xmlns:p14="http://schemas.microsoft.com/office/powerpoint/2010/main" val="1002154061"/>
       </p:ext>
     </p:extLst>
   </p:cSld>
@@ -710,90 +709,6 @@
             <a:fld id="{AF4827CC-8316-45DB-BFE4-76A6FE932D57}" type="slidenum">
               <a:rPr lang="en-PH" smtClean="0"/>
               <a:t>11</a:t>
-            </a:fld>
-            <a:endParaRPr lang="en-PH"/>
-          </a:p>
-        </p:txBody>
-      </p:sp>
-    </p:spTree>
-    <p:extLst>
-      <p:ext uri="{BB962C8B-B14F-4D97-AF65-F5344CB8AC3E}">
-        <p14:creationId xmlns:p14="http://schemas.microsoft.com/office/powerpoint/2010/main" val="1002154061"/>
-      </p:ext>
-    </p:extLst>
-  </p:cSld>
-  <p:clrMapOvr>
-    <a:masterClrMapping/>
-  </p:clrMapOvr>
-</p:notes>
-</file>
-
-<file path=ppt/notesSlides/notesSlide12.xml><?xml version="1.0" encoding="utf-8"?>
-<p:notes xmlns:a="http://schemas.openxmlformats.org/drawingml/2006/main" xmlns:r="http://schemas.openxmlformats.org/officeDocument/2006/relationships" xmlns:p="http://schemas.openxmlformats.org/presentationml/2006/main">
-  <p:cSld>
-    <p:spTree>
-      <p:nvGrpSpPr>
-        <p:cNvPr id="1" name=""/>
-        <p:cNvGrpSpPr/>
-        <p:nvPr/>
-      </p:nvGrpSpPr>
-      <p:grpSpPr>
-        <a:xfrm>
-          <a:off x="0" y="0"/>
-          <a:ext cx="0" cy="0"/>
-          <a:chOff x="0" y="0"/>
-          <a:chExt cx="0" cy="0"/>
-        </a:xfrm>
-      </p:grpSpPr>
-      <p:sp>
-        <p:nvSpPr>
-          <p:cNvPr id="2" name="Slide Image Placeholder 1"/>
-          <p:cNvSpPr>
-            <a:spLocks noGrp="1" noRot="1" noChangeAspect="1"/>
-          </p:cNvSpPr>
-          <p:nvPr>
-            <p:ph type="sldImg"/>
-          </p:nvPr>
-        </p:nvSpPr>
-        <p:spPr/>
-      </p:sp>
-      <p:sp>
-        <p:nvSpPr>
-          <p:cNvPr id="3" name="Notes Placeholder 2"/>
-          <p:cNvSpPr>
-            <a:spLocks noGrp="1"/>
-          </p:cNvSpPr>
-          <p:nvPr>
-            <p:ph type="body" idx="1"/>
-          </p:nvPr>
-        </p:nvSpPr>
-        <p:spPr/>
-        <p:txBody>
-          <a:bodyPr/>
-          <a:lstStyle/>
-          <a:p>
-            <a:endParaRPr lang="en-PH" dirty="0"/>
-          </a:p>
-        </p:txBody>
-      </p:sp>
-      <p:sp>
-        <p:nvSpPr>
-          <p:cNvPr id="4" name="Slide Number Placeholder 3"/>
-          <p:cNvSpPr>
-            <a:spLocks noGrp="1"/>
-          </p:cNvSpPr>
-          <p:nvPr>
-            <p:ph type="sldNum" sz="quarter" idx="5"/>
-          </p:nvPr>
-        </p:nvSpPr>
-        <p:spPr/>
-        <p:txBody>
-          <a:bodyPr/>
-          <a:lstStyle/>
-          <a:p>
-            <a:fld id="{AF4827CC-8316-45DB-BFE4-76A6FE932D57}" type="slidenum">
-              <a:rPr lang="en-PH" smtClean="0"/>
-              <a:t>12</a:t>
             </a:fld>
             <a:endParaRPr lang="en-PH"/>
           </a:p>
@@ -1474,7 +1389,7 @@
     </p:spTree>
     <p:extLst>
       <p:ext uri="{BB962C8B-B14F-4D97-AF65-F5344CB8AC3E}">
-        <p14:creationId xmlns:p14="http://schemas.microsoft.com/office/powerpoint/2010/main" val="2278278159"/>
+        <p14:creationId xmlns:p14="http://schemas.microsoft.com/office/powerpoint/2010/main" val="1451451880"/>
       </p:ext>
     </p:extLst>
   </p:cSld>
@@ -5183,12 +5098,16 @@
               <a:t>RegEx</a:t>
             </a:r>
             <a:r>
-              <a:rPr lang="en-US" sz="3600" b="1" dirty="0">
+              <a:rPr lang="en-US" sz="3600" b="1">
                 <a:latin typeface="Arial" panose="020B0604020202020204" pitchFamily="34" charset="0"/>
                 <a:cs typeface="Arial" panose="020B0604020202020204" pitchFamily="34" charset="0"/>
               </a:rPr>
               <a:t> (3)</a:t>
             </a:r>
+            <a:endParaRPr lang="en-US" sz="3600" b="1" dirty="0">
+              <a:latin typeface="Arial" panose="020B0604020202020204" pitchFamily="34" charset="0"/>
+              <a:cs typeface="Arial" panose="020B0604020202020204" pitchFamily="34" charset="0"/>
+            </a:endParaRPr>
           </a:p>
         </p:txBody>
       </p:sp>
@@ -5331,596 +5250,6 @@
       </p:sp>
       <p:pic>
         <p:nvPicPr>
-          <p:cNvPr id="10" name="Picture 9">
-            <a:extLst>
-              <a:ext uri="{FF2B5EF4-FFF2-40B4-BE49-F238E27FC236}">
-                <a16:creationId xmlns:a16="http://schemas.microsoft.com/office/drawing/2014/main" id="{AE41817F-E830-EA13-A93A-6A50F8EE4369}"/>
-              </a:ext>
-            </a:extLst>
-          </p:cNvPr>
-          <p:cNvPicPr>
-            <a:picLocks noChangeAspect="1"/>
-          </p:cNvPicPr>
-          <p:nvPr/>
-        </p:nvPicPr>
-        <p:blipFill>
-          <a:blip r:embed="rId3"/>
-          <a:stretch>
-            <a:fillRect/>
-          </a:stretch>
-        </p:blipFill>
-        <p:spPr>
-          <a:xfrm>
-            <a:off x="544740" y="1380506"/>
-            <a:ext cx="6283388" cy="2814124"/>
-          </a:xfrm>
-          <a:prstGeom prst="rect">
-            <a:avLst/>
-          </a:prstGeom>
-        </p:spPr>
-      </p:pic>
-      <p:sp>
-        <p:nvSpPr>
-          <p:cNvPr id="7" name="Content Placeholder 2">
-            <a:extLst>
-              <a:ext uri="{FF2B5EF4-FFF2-40B4-BE49-F238E27FC236}">
-                <a16:creationId xmlns:a16="http://schemas.microsoft.com/office/drawing/2014/main" id="{D70BDD6E-EF8F-6315-46C4-8078CBBE9EFE}"/>
-              </a:ext>
-            </a:extLst>
-          </p:cNvPr>
-          <p:cNvSpPr>
-            <a:spLocks noGrp="1"/>
-          </p:cNvSpPr>
-          <p:nvPr>
-            <p:ph idx="1"/>
-          </p:nvPr>
-        </p:nvSpPr>
-        <p:spPr>
-          <a:xfrm>
-            <a:off x="811611" y="4296711"/>
-            <a:ext cx="3867442" cy="1071789"/>
-          </a:xfrm>
-        </p:spPr>
-        <p:txBody>
-          <a:bodyPr>
-            <a:normAutofit/>
-          </a:bodyPr>
-          <a:lstStyle/>
-          <a:p>
-            <a:pPr marL="0" indent="0">
-              <a:lnSpc>
-                <a:spcPct val="150000"/>
-              </a:lnSpc>
-              <a:buNone/>
-            </a:pPr>
-            <a:r>
-              <a:rPr lang="en-US" sz="3600" dirty="0">
-                <a:latin typeface="Consolas" panose="020B0609020204030204" pitchFamily="49" charset="0"/>
-                <a:cs typeface="Arial" panose="020B0604020202020204" pitchFamily="34" charset="0"/>
-              </a:rPr>
-              <a:t>0*</a:t>
-            </a:r>
-            <a:endParaRPr lang="en-GB" sz="3600" dirty="0">
-              <a:latin typeface="Consolas" panose="020B0609020204030204" pitchFamily="49" charset="0"/>
-              <a:cs typeface="Arial" panose="020B0604020202020204" pitchFamily="34" charset="0"/>
-            </a:endParaRPr>
-          </a:p>
-        </p:txBody>
-      </p:sp>
-      <p:sp>
-        <p:nvSpPr>
-          <p:cNvPr id="8" name="Content Placeholder 2">
-            <a:extLst>
-              <a:ext uri="{FF2B5EF4-FFF2-40B4-BE49-F238E27FC236}">
-                <a16:creationId xmlns:a16="http://schemas.microsoft.com/office/drawing/2014/main" id="{44679353-A351-6280-4BBE-A5454D7E0F71}"/>
-              </a:ext>
-            </a:extLst>
-          </p:cNvPr>
-          <p:cNvSpPr txBox="1">
-            <a:spLocks/>
-          </p:cNvSpPr>
-          <p:nvPr/>
-        </p:nvSpPr>
-        <p:spPr>
-          <a:xfrm>
-            <a:off x="7819599" y="635870"/>
-            <a:ext cx="3991401" cy="4813067"/>
-          </a:xfrm>
-          <a:prstGeom prst="rect">
-            <a:avLst/>
-          </a:prstGeom>
-        </p:spPr>
-        <p:txBody>
-          <a:bodyPr vert="horz" lIns="91440" tIns="45720" rIns="91440" bIns="45720" rtlCol="0">
-            <a:normAutofit lnSpcReduction="10000"/>
-          </a:bodyPr>
-          <a:lstStyle>
-            <a:lvl1pPr marL="228600" indent="-228600" algn="l" defTabSz="914400" rtl="0" eaLnBrk="1" latinLnBrk="0" hangingPunct="1">
-              <a:lnSpc>
-                <a:spcPct val="90000"/>
-              </a:lnSpc>
-              <a:spcBef>
-                <a:spcPts val="1000"/>
-              </a:spcBef>
-              <a:buFont typeface="Arial" panose="020B0604020202020204" pitchFamily="34" charset="0"/>
-              <a:buChar char="•"/>
-              <a:defRPr sz="2800" kern="1200">
-                <a:solidFill>
-                  <a:schemeClr val="tx1"/>
-                </a:solidFill>
-                <a:latin typeface="+mn-lt"/>
-                <a:ea typeface="+mn-ea"/>
-                <a:cs typeface="+mn-cs"/>
-              </a:defRPr>
-            </a:lvl1pPr>
-            <a:lvl2pPr marL="685800" indent="-228600" algn="l" defTabSz="914400" rtl="0" eaLnBrk="1" latinLnBrk="0" hangingPunct="1">
-              <a:lnSpc>
-                <a:spcPct val="90000"/>
-              </a:lnSpc>
-              <a:spcBef>
-                <a:spcPts val="500"/>
-              </a:spcBef>
-              <a:buFont typeface="Arial" panose="020B0604020202020204" pitchFamily="34" charset="0"/>
-              <a:buChar char="•"/>
-              <a:defRPr sz="2400" kern="1200">
-                <a:solidFill>
-                  <a:schemeClr val="tx1"/>
-                </a:solidFill>
-                <a:latin typeface="+mn-lt"/>
-                <a:ea typeface="+mn-ea"/>
-                <a:cs typeface="+mn-cs"/>
-              </a:defRPr>
-            </a:lvl2pPr>
-            <a:lvl3pPr marL="1143000" indent="-228600" algn="l" defTabSz="914400" rtl="0" eaLnBrk="1" latinLnBrk="0" hangingPunct="1">
-              <a:lnSpc>
-                <a:spcPct val="90000"/>
-              </a:lnSpc>
-              <a:spcBef>
-                <a:spcPts val="500"/>
-              </a:spcBef>
-              <a:buFont typeface="Arial" panose="020B0604020202020204" pitchFamily="34" charset="0"/>
-              <a:buChar char="•"/>
-              <a:defRPr sz="2000" kern="1200">
-                <a:solidFill>
-                  <a:schemeClr val="tx1"/>
-                </a:solidFill>
-                <a:latin typeface="+mn-lt"/>
-                <a:ea typeface="+mn-ea"/>
-                <a:cs typeface="+mn-cs"/>
-              </a:defRPr>
-            </a:lvl3pPr>
-            <a:lvl4pPr marL="1600200" indent="-228600" algn="l" defTabSz="914400" rtl="0" eaLnBrk="1" latinLnBrk="0" hangingPunct="1">
-              <a:lnSpc>
-                <a:spcPct val="90000"/>
-              </a:lnSpc>
-              <a:spcBef>
-                <a:spcPts val="500"/>
-              </a:spcBef>
-              <a:buFont typeface="Arial" panose="020B0604020202020204" pitchFamily="34" charset="0"/>
-              <a:buChar char="•"/>
-              <a:defRPr sz="1800" kern="1200">
-                <a:solidFill>
-                  <a:schemeClr val="tx1"/>
-                </a:solidFill>
-                <a:latin typeface="+mn-lt"/>
-                <a:ea typeface="+mn-ea"/>
-                <a:cs typeface="+mn-cs"/>
-              </a:defRPr>
-            </a:lvl4pPr>
-            <a:lvl5pPr marL="2057400" indent="-228600" algn="l" defTabSz="914400" rtl="0" eaLnBrk="1" latinLnBrk="0" hangingPunct="1">
-              <a:lnSpc>
-                <a:spcPct val="90000"/>
-              </a:lnSpc>
-              <a:spcBef>
-                <a:spcPts val="500"/>
-              </a:spcBef>
-              <a:buFont typeface="Arial" panose="020B0604020202020204" pitchFamily="34" charset="0"/>
-              <a:buChar char="•"/>
-              <a:defRPr sz="1800" kern="1200">
-                <a:solidFill>
-                  <a:schemeClr val="tx1"/>
-                </a:solidFill>
-                <a:latin typeface="+mn-lt"/>
-                <a:ea typeface="+mn-ea"/>
-                <a:cs typeface="+mn-cs"/>
-              </a:defRPr>
-            </a:lvl5pPr>
-            <a:lvl6pPr marL="2514600" indent="-228600" algn="l" defTabSz="914400" rtl="0" eaLnBrk="1" latinLnBrk="0" hangingPunct="1">
-              <a:lnSpc>
-                <a:spcPct val="90000"/>
-              </a:lnSpc>
-              <a:spcBef>
-                <a:spcPts val="500"/>
-              </a:spcBef>
-              <a:buFont typeface="Arial" panose="020B0604020202020204" pitchFamily="34" charset="0"/>
-              <a:buChar char="•"/>
-              <a:defRPr sz="1800" kern="1200">
-                <a:solidFill>
-                  <a:schemeClr val="tx1"/>
-                </a:solidFill>
-                <a:latin typeface="+mn-lt"/>
-                <a:ea typeface="+mn-ea"/>
-                <a:cs typeface="+mn-cs"/>
-              </a:defRPr>
-            </a:lvl6pPr>
-            <a:lvl7pPr marL="2971800" indent="-228600" algn="l" defTabSz="914400" rtl="0" eaLnBrk="1" latinLnBrk="0" hangingPunct="1">
-              <a:lnSpc>
-                <a:spcPct val="90000"/>
-              </a:lnSpc>
-              <a:spcBef>
-                <a:spcPts val="500"/>
-              </a:spcBef>
-              <a:buFont typeface="Arial" panose="020B0604020202020204" pitchFamily="34" charset="0"/>
-              <a:buChar char="•"/>
-              <a:defRPr sz="1800" kern="1200">
-                <a:solidFill>
-                  <a:schemeClr val="tx1"/>
-                </a:solidFill>
-                <a:latin typeface="+mn-lt"/>
-                <a:ea typeface="+mn-ea"/>
-                <a:cs typeface="+mn-cs"/>
-              </a:defRPr>
-            </a:lvl7pPr>
-            <a:lvl8pPr marL="3429000" indent="-228600" algn="l" defTabSz="914400" rtl="0" eaLnBrk="1" latinLnBrk="0" hangingPunct="1">
-              <a:lnSpc>
-                <a:spcPct val="90000"/>
-              </a:lnSpc>
-              <a:spcBef>
-                <a:spcPts val="500"/>
-              </a:spcBef>
-              <a:buFont typeface="Arial" panose="020B0604020202020204" pitchFamily="34" charset="0"/>
-              <a:buChar char="•"/>
-              <a:defRPr sz="1800" kern="1200">
-                <a:solidFill>
-                  <a:schemeClr val="tx1"/>
-                </a:solidFill>
-                <a:latin typeface="+mn-lt"/>
-                <a:ea typeface="+mn-ea"/>
-                <a:cs typeface="+mn-cs"/>
-              </a:defRPr>
-            </a:lvl8pPr>
-            <a:lvl9pPr marL="3886200" indent="-228600" algn="l" defTabSz="914400" rtl="0" eaLnBrk="1" latinLnBrk="0" hangingPunct="1">
-              <a:lnSpc>
-                <a:spcPct val="90000"/>
-              </a:lnSpc>
-              <a:spcBef>
-                <a:spcPts val="500"/>
-              </a:spcBef>
-              <a:buFont typeface="Arial" panose="020B0604020202020204" pitchFamily="34" charset="0"/>
-              <a:buChar char="•"/>
-              <a:defRPr sz="1800" kern="1200">
-                <a:solidFill>
-                  <a:schemeClr val="tx1"/>
-                </a:solidFill>
-                <a:latin typeface="+mn-lt"/>
-                <a:ea typeface="+mn-ea"/>
-                <a:cs typeface="+mn-cs"/>
-              </a:defRPr>
-            </a:lvl9pPr>
-          </a:lstStyle>
-          <a:p>
-            <a:pPr marL="0" indent="0">
-              <a:lnSpc>
-                <a:spcPct val="150000"/>
-              </a:lnSpc>
-              <a:buFont typeface="Arial" panose="020B0604020202020204" pitchFamily="34" charset="0"/>
-              <a:buNone/>
-            </a:pPr>
-            <a:r>
-              <a:rPr lang="en-US" sz="3200" dirty="0">
-                <a:latin typeface="Consolas" panose="020B0609020204030204" pitchFamily="49" charset="0"/>
-                <a:cs typeface="Arial" panose="020B0604020202020204" pitchFamily="34" charset="0"/>
-              </a:rPr>
-              <a:t>Example strings:</a:t>
-            </a:r>
-          </a:p>
-          <a:p>
-            <a:pPr marL="0" indent="0">
-              <a:lnSpc>
-                <a:spcPct val="150000"/>
-              </a:lnSpc>
-              <a:buFont typeface="Arial" panose="020B0604020202020204" pitchFamily="34" charset="0"/>
-              <a:buNone/>
-            </a:pPr>
-            <a:r>
-              <a:rPr lang="en-US" sz="3200" dirty="0">
-                <a:latin typeface="Consolas" panose="020B0609020204030204" pitchFamily="49" charset="0"/>
-                <a:cs typeface="Arial" panose="020B0604020202020204" pitchFamily="34" charset="0"/>
-              </a:rPr>
-              <a:t>0</a:t>
-            </a:r>
-          </a:p>
-          <a:p>
-            <a:pPr marL="0" indent="0">
-              <a:lnSpc>
-                <a:spcPct val="150000"/>
-              </a:lnSpc>
-              <a:buFont typeface="Arial" panose="020B0604020202020204" pitchFamily="34" charset="0"/>
-              <a:buNone/>
-            </a:pPr>
-            <a:r>
-              <a:rPr lang="en-US" sz="3200" dirty="0">
-                <a:latin typeface="Consolas" panose="020B0609020204030204" pitchFamily="49" charset="0"/>
-                <a:cs typeface="Arial" panose="020B0604020202020204" pitchFamily="34" charset="0"/>
-              </a:rPr>
-              <a:t>00</a:t>
-            </a:r>
-          </a:p>
-          <a:p>
-            <a:pPr marL="0" indent="0">
-              <a:lnSpc>
-                <a:spcPct val="150000"/>
-              </a:lnSpc>
-              <a:buFont typeface="Arial" panose="020B0604020202020204" pitchFamily="34" charset="0"/>
-              <a:buNone/>
-            </a:pPr>
-            <a:r>
-              <a:rPr lang="en-US" sz="3200" dirty="0">
-                <a:latin typeface="Consolas" panose="020B0609020204030204" pitchFamily="49" charset="0"/>
-                <a:cs typeface="Arial" panose="020B0604020202020204" pitchFamily="34" charset="0"/>
-              </a:rPr>
-              <a:t>000</a:t>
-            </a:r>
-          </a:p>
-          <a:p>
-            <a:pPr marL="0" indent="0">
-              <a:lnSpc>
-                <a:spcPct val="150000"/>
-              </a:lnSpc>
-              <a:buFont typeface="Arial" panose="020B0604020202020204" pitchFamily="34" charset="0"/>
-              <a:buNone/>
-            </a:pPr>
-            <a:r>
-              <a:rPr lang="en-US" sz="3200" dirty="0">
-                <a:latin typeface="Consolas" panose="020B0609020204030204" pitchFamily="49" charset="0"/>
-                <a:cs typeface="Arial" panose="020B0604020202020204" pitchFamily="34" charset="0"/>
-              </a:rPr>
-              <a:t>0000</a:t>
-            </a:r>
-          </a:p>
-          <a:p>
-            <a:pPr marL="0" indent="0">
-              <a:lnSpc>
-                <a:spcPct val="150000"/>
-              </a:lnSpc>
-              <a:buFont typeface="Arial" panose="020B0604020202020204" pitchFamily="34" charset="0"/>
-              <a:buNone/>
-            </a:pPr>
-            <a:r>
-              <a:rPr lang="en-US" sz="3200" dirty="0">
-                <a:latin typeface="Consolas" panose="020B0609020204030204" pitchFamily="49" charset="0"/>
-                <a:cs typeface="Arial" panose="020B0604020202020204" pitchFamily="34" charset="0"/>
-              </a:rPr>
-              <a:t>00000</a:t>
-            </a:r>
-          </a:p>
-        </p:txBody>
-      </p:sp>
-    </p:spTree>
-    <p:extLst>
-      <p:ext uri="{BB962C8B-B14F-4D97-AF65-F5344CB8AC3E}">
-        <p14:creationId xmlns:p14="http://schemas.microsoft.com/office/powerpoint/2010/main" val="4172011887"/>
-      </p:ext>
-    </p:extLst>
-  </p:cSld>
-  <p:clrMapOvr>
-    <a:masterClrMapping/>
-  </p:clrMapOvr>
-</p:sld>
-</file>
-
-<file path=ppt/slides/slide11.xml><?xml version="1.0" encoding="utf-8"?>
-<p:sld xmlns:a="http://schemas.openxmlformats.org/drawingml/2006/main" xmlns:r="http://schemas.openxmlformats.org/officeDocument/2006/relationships" xmlns:p="http://schemas.openxmlformats.org/presentationml/2006/main">
-  <p:cSld>
-    <p:spTree>
-      <p:nvGrpSpPr>
-        <p:cNvPr id="1" name=""/>
-        <p:cNvGrpSpPr/>
-        <p:nvPr/>
-      </p:nvGrpSpPr>
-      <p:grpSpPr>
-        <a:xfrm>
-          <a:off x="0" y="0"/>
-          <a:ext cx="0" cy="0"/>
-          <a:chOff x="0" y="0"/>
-          <a:chExt cx="0" cy="0"/>
-        </a:xfrm>
-      </p:grpSpPr>
-      <p:sp>
-        <p:nvSpPr>
-          <p:cNvPr id="2" name="Title 1">
-            <a:extLst>
-              <a:ext uri="{FF2B5EF4-FFF2-40B4-BE49-F238E27FC236}">
-                <a16:creationId xmlns:a16="http://schemas.microsoft.com/office/drawing/2014/main" id="{ECDDD165-D2D5-806C-C076-68C2E4038715}"/>
-              </a:ext>
-            </a:extLst>
-          </p:cNvPr>
-          <p:cNvSpPr>
-            <a:spLocks noGrp="1"/>
-          </p:cNvSpPr>
-          <p:nvPr>
-            <p:ph type="title"/>
-          </p:nvPr>
-        </p:nvSpPr>
-        <p:spPr>
-          <a:xfrm>
-            <a:off x="381000" y="365837"/>
-            <a:ext cx="11452860" cy="540066"/>
-          </a:xfrm>
-        </p:spPr>
-        <p:txBody>
-          <a:bodyPr>
-            <a:noAutofit/>
-          </a:bodyPr>
-          <a:lstStyle/>
-          <a:p>
-            <a:r>
-              <a:rPr lang="en-US" sz="3600" b="1" dirty="0">
-                <a:latin typeface="Arial" panose="020B0604020202020204" pitchFamily="34" charset="0"/>
-                <a:cs typeface="Arial" panose="020B0604020202020204" pitchFamily="34" charset="0"/>
-              </a:rPr>
-              <a:t>DFA to </a:t>
-            </a:r>
-            <a:r>
-              <a:rPr lang="en-US" sz="3600" b="1" dirty="0" err="1">
-                <a:latin typeface="Arial" panose="020B0604020202020204" pitchFamily="34" charset="0"/>
-                <a:cs typeface="Arial" panose="020B0604020202020204" pitchFamily="34" charset="0"/>
-              </a:rPr>
-              <a:t>RegEx</a:t>
-            </a:r>
-            <a:r>
-              <a:rPr lang="en-US" sz="3600" b="1">
-                <a:latin typeface="Arial" panose="020B0604020202020204" pitchFamily="34" charset="0"/>
-                <a:cs typeface="Arial" panose="020B0604020202020204" pitchFamily="34" charset="0"/>
-              </a:rPr>
-              <a:t> (4)</a:t>
-            </a:r>
-            <a:endParaRPr lang="en-US" sz="3600" b="1" dirty="0">
-              <a:latin typeface="Arial" panose="020B0604020202020204" pitchFamily="34" charset="0"/>
-              <a:cs typeface="Arial" panose="020B0604020202020204" pitchFamily="34" charset="0"/>
-            </a:endParaRPr>
-          </a:p>
-        </p:txBody>
-      </p:sp>
-      <p:sp>
-        <p:nvSpPr>
-          <p:cNvPr id="4" name="Rectangle 3">
-            <a:extLst>
-              <a:ext uri="{FF2B5EF4-FFF2-40B4-BE49-F238E27FC236}">
-                <a16:creationId xmlns:a16="http://schemas.microsoft.com/office/drawing/2014/main" id="{5678197B-F4C7-4A21-8A98-BE580A1C57A5}"/>
-              </a:ext>
-            </a:extLst>
-          </p:cNvPr>
-          <p:cNvSpPr/>
-          <p:nvPr/>
-        </p:nvSpPr>
-        <p:spPr>
-          <a:xfrm>
-            <a:off x="0" y="6210300"/>
-            <a:ext cx="12192000" cy="647700"/>
-          </a:xfrm>
-          <a:prstGeom prst="rect">
-            <a:avLst/>
-          </a:prstGeom>
-          <a:solidFill>
-            <a:srgbClr val="C44D56"/>
-          </a:solidFill>
-          <a:ln>
-            <a:noFill/>
-          </a:ln>
-        </p:spPr>
-        <p:style>
-          <a:lnRef idx="2">
-            <a:schemeClr val="accent1">
-              <a:shade val="50000"/>
-            </a:schemeClr>
-          </a:lnRef>
-          <a:fillRef idx="1">
-            <a:schemeClr val="accent1"/>
-          </a:fillRef>
-          <a:effectRef idx="0">
-            <a:schemeClr val="accent1"/>
-          </a:effectRef>
-          <a:fontRef idx="minor">
-            <a:schemeClr val="lt1"/>
-          </a:fontRef>
-        </p:style>
-        <p:txBody>
-          <a:bodyPr rtlCol="0" anchor="ctr"/>
-          <a:lstStyle/>
-          <a:p>
-            <a:pPr algn="ctr"/>
-            <a:endParaRPr lang="en-US">
-              <a:solidFill>
-                <a:srgbClr val="C44D56"/>
-              </a:solidFill>
-            </a:endParaRPr>
-          </a:p>
-        </p:txBody>
-      </p:sp>
-      <p:sp>
-        <p:nvSpPr>
-          <p:cNvPr id="5" name="TextBox 4">
-            <a:extLst>
-              <a:ext uri="{FF2B5EF4-FFF2-40B4-BE49-F238E27FC236}">
-                <a16:creationId xmlns:a16="http://schemas.microsoft.com/office/drawing/2014/main" id="{4A594CE6-A495-4685-8C5D-9BCF5069F3F5}"/>
-              </a:ext>
-            </a:extLst>
-          </p:cNvPr>
-          <p:cNvSpPr txBox="1"/>
-          <p:nvPr/>
-        </p:nvSpPr>
-        <p:spPr>
-          <a:xfrm>
-            <a:off x="8801358" y="6349484"/>
-            <a:ext cx="3231892" cy="369332"/>
-          </a:xfrm>
-          <a:prstGeom prst="rect">
-            <a:avLst/>
-          </a:prstGeom>
-          <a:noFill/>
-        </p:spPr>
-        <p:txBody>
-          <a:bodyPr wrap="square" rtlCol="0">
-            <a:spAutoFit/>
-          </a:bodyPr>
-          <a:lstStyle/>
-          <a:p>
-            <a:pPr algn="r"/>
-            <a:r>
-              <a:rPr lang="en-US" dirty="0">
-                <a:solidFill>
-                  <a:schemeClr val="bg1"/>
-                </a:solidFill>
-                <a:latin typeface="Consolas" panose="020B0609020204030204" pitchFamily="49" charset="0"/>
-              </a:rPr>
-              <a:t>Louis Philippe Facun</a:t>
-            </a:r>
-          </a:p>
-        </p:txBody>
-      </p:sp>
-      <p:sp>
-        <p:nvSpPr>
-          <p:cNvPr id="6" name="TextBox 5">
-            <a:extLst>
-              <a:ext uri="{FF2B5EF4-FFF2-40B4-BE49-F238E27FC236}">
-                <a16:creationId xmlns:a16="http://schemas.microsoft.com/office/drawing/2014/main" id="{A2E042F5-6E5A-4F11-847F-7F6C4FE314A3}"/>
-              </a:ext>
-            </a:extLst>
-          </p:cNvPr>
-          <p:cNvSpPr txBox="1"/>
-          <p:nvPr/>
-        </p:nvSpPr>
-        <p:spPr>
-          <a:xfrm>
-            <a:off x="250448" y="6349484"/>
-            <a:ext cx="3231892" cy="369332"/>
-          </a:xfrm>
-          <a:prstGeom prst="rect">
-            <a:avLst/>
-          </a:prstGeom>
-          <a:noFill/>
-        </p:spPr>
-        <p:txBody>
-          <a:bodyPr wrap="square" rtlCol="0">
-            <a:spAutoFit/>
-          </a:bodyPr>
-          <a:lstStyle/>
-          <a:p>
-            <a:r>
-              <a:rPr lang="en-US" dirty="0">
-                <a:solidFill>
-                  <a:schemeClr val="bg1"/>
-                </a:solidFill>
-                <a:latin typeface="Consolas" panose="020B0609020204030204" pitchFamily="49" charset="0"/>
-              </a:rPr>
-              <a:t>CSPC 105</a:t>
-            </a:r>
-          </a:p>
-        </p:txBody>
-      </p:sp>
-      <p:pic>
-        <p:nvPicPr>
           <p:cNvPr id="3074" name="Picture 2" descr="Examples of NFA">
             <a:extLst>
               <a:ext uri="{FF2B5EF4-FFF2-40B4-BE49-F238E27FC236}">
@@ -5979,7 +5308,7 @@
 </p:sld>
 </file>
 
-<file path=ppt/slides/slide12.xml><?xml version="1.0" encoding="utf-8"?>
+<file path=ppt/slides/slide11.xml><?xml version="1.0" encoding="utf-8"?>
 <p:sld xmlns:a="http://schemas.openxmlformats.org/drawingml/2006/main" xmlns:r="http://schemas.openxmlformats.org/officeDocument/2006/relationships" xmlns:p="http://schemas.openxmlformats.org/presentationml/2006/main">
   <p:cSld>
     <p:spTree>
@@ -10259,10 +9588,10 @@
       </p:sp>
       <p:pic>
         <p:nvPicPr>
-          <p:cNvPr id="8" name="Picture 7">
-            <a:extLst>
-              <a:ext uri="{FF2B5EF4-FFF2-40B4-BE49-F238E27FC236}">
-                <a16:creationId xmlns:a16="http://schemas.microsoft.com/office/drawing/2014/main" id="{2EF9CB7E-375D-8281-BF6E-51856A990822}"/>
+          <p:cNvPr id="10" name="Picture 9">
+            <a:extLst>
+              <a:ext uri="{FF2B5EF4-FFF2-40B4-BE49-F238E27FC236}">
+                <a16:creationId xmlns:a16="http://schemas.microsoft.com/office/drawing/2014/main" id="{AE41817F-E830-EA13-A93A-6A50F8EE4369}"/>
               </a:ext>
             </a:extLst>
           </p:cNvPr>
@@ -10279,8 +9608,8 @@
         </p:blipFill>
         <p:spPr>
           <a:xfrm>
-            <a:off x="616902" y="1490662"/>
-            <a:ext cx="6436247" cy="3360738"/>
+            <a:off x="544740" y="1380506"/>
+            <a:ext cx="6283388" cy="2814124"/>
           </a:xfrm>
           <a:prstGeom prst="rect">
             <a:avLst/>
@@ -10289,10 +9618,10 @@
       </p:pic>
       <p:sp>
         <p:nvSpPr>
-          <p:cNvPr id="10" name="Content Placeholder 2">
-            <a:extLst>
-              <a:ext uri="{FF2B5EF4-FFF2-40B4-BE49-F238E27FC236}">
-                <a16:creationId xmlns:a16="http://schemas.microsoft.com/office/drawing/2014/main" id="{205C0D1B-08BC-7638-736A-CC163E01F0EF}"/>
+          <p:cNvPr id="7" name="Content Placeholder 2">
+            <a:extLst>
+              <a:ext uri="{FF2B5EF4-FFF2-40B4-BE49-F238E27FC236}">
+                <a16:creationId xmlns:a16="http://schemas.microsoft.com/office/drawing/2014/main" id="{D70BDD6E-EF8F-6315-46C4-8078CBBE9EFE}"/>
               </a:ext>
             </a:extLst>
           </p:cNvPr>
@@ -10326,7 +9655,7 @@
                 <a:latin typeface="Consolas" panose="020B0609020204030204" pitchFamily="49" charset="0"/>
                 <a:cs typeface="Arial" panose="020B0604020202020204" pitchFamily="34" charset="0"/>
               </a:rPr>
-              <a:t>1(0|1)*110</a:t>
+              <a:t>0*</a:t>
             </a:r>
             <a:endParaRPr lang="en-GB" sz="3600" dirty="0">
               <a:latin typeface="Consolas" panose="020B0609020204030204" pitchFamily="49" charset="0"/>
@@ -10337,10 +9666,10 @@
       </p:sp>
       <p:sp>
         <p:nvSpPr>
-          <p:cNvPr id="11" name="Content Placeholder 2">
-            <a:extLst>
-              <a:ext uri="{FF2B5EF4-FFF2-40B4-BE49-F238E27FC236}">
-                <a16:creationId xmlns:a16="http://schemas.microsoft.com/office/drawing/2014/main" id="{8839F705-F2B4-A0B2-386D-58C1B0C5D8C2}"/>
+          <p:cNvPr id="8" name="Content Placeholder 2">
+            <a:extLst>
+              <a:ext uri="{FF2B5EF4-FFF2-40B4-BE49-F238E27FC236}">
+                <a16:creationId xmlns:a16="http://schemas.microsoft.com/office/drawing/2014/main" id="{44679353-A351-6280-4BBE-A5454D7E0F71}"/>
               </a:ext>
             </a:extLst>
           </p:cNvPr>
@@ -10555,7 +9884,7 @@
                 <a:latin typeface="Consolas" panose="020B0609020204030204" pitchFamily="49" charset="0"/>
                 <a:cs typeface="Arial" panose="020B0604020202020204" pitchFamily="34" charset="0"/>
               </a:rPr>
-              <a:t>1110</a:t>
+              <a:t>0</a:t>
             </a:r>
           </a:p>
           <a:p>
@@ -10571,7 +9900,7 @@
                 <a:latin typeface="Consolas" panose="020B0609020204030204" pitchFamily="49" charset="0"/>
                 <a:cs typeface="Arial" panose="020B0604020202020204" pitchFamily="34" charset="0"/>
               </a:rPr>
-              <a:t>10110</a:t>
+              <a:t>00</a:t>
             </a:r>
           </a:p>
           <a:p>
@@ -10587,7 +9916,7 @@
                 <a:latin typeface="Consolas" panose="020B0609020204030204" pitchFamily="49" charset="0"/>
                 <a:cs typeface="Arial" panose="020B0604020202020204" pitchFamily="34" charset="0"/>
               </a:rPr>
-              <a:t>11110</a:t>
+              <a:t>000</a:t>
             </a:r>
           </a:p>
           <a:p>
@@ -10603,7 +9932,7 @@
                 <a:latin typeface="Consolas" panose="020B0609020204030204" pitchFamily="49" charset="0"/>
                 <a:cs typeface="Arial" panose="020B0604020202020204" pitchFamily="34" charset="0"/>
               </a:rPr>
-              <a:t>1000110</a:t>
+              <a:t>0000</a:t>
             </a:r>
           </a:p>
           <a:p>
@@ -10619,7 +9948,7 @@
                 <a:latin typeface="Consolas" panose="020B0609020204030204" pitchFamily="49" charset="0"/>
                 <a:cs typeface="Arial" panose="020B0604020202020204" pitchFamily="34" charset="0"/>
               </a:rPr>
-              <a:t>10101010110</a:t>
+              <a:t>00000</a:t>
             </a:r>
           </a:p>
         </p:txBody>
@@ -10627,7 +9956,7 @@
     </p:spTree>
     <p:extLst>
       <p:ext uri="{BB962C8B-B14F-4D97-AF65-F5344CB8AC3E}">
-        <p14:creationId xmlns:p14="http://schemas.microsoft.com/office/powerpoint/2010/main" val="3297832239"/>
+        <p14:creationId xmlns:p14="http://schemas.microsoft.com/office/powerpoint/2010/main" val="4172011887"/>
       </p:ext>
     </p:extLst>
   </p:cSld>

--- a/cspc105/2022/slides/lesson10.pptx
+++ b/cspc105/2022/slides/lesson10.pptx
@@ -5,7 +5,7 @@
     <p:sldMasterId id="2147483648" r:id="rId1"/>
   </p:sldMasterIdLst>
   <p:notesMasterIdLst>
-    <p:notesMasterId r:id="rId13"/>
+    <p:notesMasterId r:id="rId11"/>
   </p:notesMasterIdLst>
   <p:sldIdLst>
     <p:sldId id="256" r:id="rId2"/>
@@ -16,9 +16,7 @@
     <p:sldId id="286" r:id="rId7"/>
     <p:sldId id="288" r:id="rId8"/>
     <p:sldId id="282" r:id="rId9"/>
-    <p:sldId id="287" r:id="rId10"/>
-    <p:sldId id="289" r:id="rId11"/>
-    <p:sldId id="279" r:id="rId12"/>
+    <p:sldId id="279" r:id="rId10"/>
   </p:sldIdLst>
   <p:sldSz cx="12192000" cy="6858000"/>
   <p:notesSz cx="6858000" cy="9144000"/>
@@ -559,174 +557,6 @@
 </p:notes>
 </file>
 
-<file path=ppt/notesSlides/notesSlide10.xml><?xml version="1.0" encoding="utf-8"?>
-<p:notes xmlns:a="http://schemas.openxmlformats.org/drawingml/2006/main" xmlns:r="http://schemas.openxmlformats.org/officeDocument/2006/relationships" xmlns:p="http://schemas.openxmlformats.org/presentationml/2006/main">
-  <p:cSld>
-    <p:spTree>
-      <p:nvGrpSpPr>
-        <p:cNvPr id="1" name=""/>
-        <p:cNvGrpSpPr/>
-        <p:nvPr/>
-      </p:nvGrpSpPr>
-      <p:grpSpPr>
-        <a:xfrm>
-          <a:off x="0" y="0"/>
-          <a:ext cx="0" cy="0"/>
-          <a:chOff x="0" y="0"/>
-          <a:chExt cx="0" cy="0"/>
-        </a:xfrm>
-      </p:grpSpPr>
-      <p:sp>
-        <p:nvSpPr>
-          <p:cNvPr id="2" name="Slide Image Placeholder 1"/>
-          <p:cNvSpPr>
-            <a:spLocks noGrp="1" noRot="1" noChangeAspect="1"/>
-          </p:cNvSpPr>
-          <p:nvPr>
-            <p:ph type="sldImg"/>
-          </p:nvPr>
-        </p:nvSpPr>
-        <p:spPr/>
-      </p:sp>
-      <p:sp>
-        <p:nvSpPr>
-          <p:cNvPr id="3" name="Notes Placeholder 2"/>
-          <p:cNvSpPr>
-            <a:spLocks noGrp="1"/>
-          </p:cNvSpPr>
-          <p:nvPr>
-            <p:ph type="body" idx="1"/>
-          </p:nvPr>
-        </p:nvSpPr>
-        <p:spPr/>
-        <p:txBody>
-          <a:bodyPr/>
-          <a:lstStyle/>
-          <a:p>
-            <a:endParaRPr lang="en-PH" dirty="0"/>
-          </a:p>
-        </p:txBody>
-      </p:sp>
-      <p:sp>
-        <p:nvSpPr>
-          <p:cNvPr id="4" name="Slide Number Placeholder 3"/>
-          <p:cNvSpPr>
-            <a:spLocks noGrp="1"/>
-          </p:cNvSpPr>
-          <p:nvPr>
-            <p:ph type="sldNum" sz="quarter" idx="5"/>
-          </p:nvPr>
-        </p:nvSpPr>
-        <p:spPr/>
-        <p:txBody>
-          <a:bodyPr/>
-          <a:lstStyle/>
-          <a:p>
-            <a:fld id="{AF4827CC-8316-45DB-BFE4-76A6FE932D57}" type="slidenum">
-              <a:rPr lang="en-PH" smtClean="0"/>
-              <a:t>10</a:t>
-            </a:fld>
-            <a:endParaRPr lang="en-PH"/>
-          </a:p>
-        </p:txBody>
-      </p:sp>
-    </p:spTree>
-    <p:extLst>
-      <p:ext uri="{BB962C8B-B14F-4D97-AF65-F5344CB8AC3E}">
-        <p14:creationId xmlns:p14="http://schemas.microsoft.com/office/powerpoint/2010/main" val="1002154061"/>
-      </p:ext>
-    </p:extLst>
-  </p:cSld>
-  <p:clrMapOvr>
-    <a:masterClrMapping/>
-  </p:clrMapOvr>
-</p:notes>
-</file>
-
-<file path=ppt/notesSlides/notesSlide11.xml><?xml version="1.0" encoding="utf-8"?>
-<p:notes xmlns:a="http://schemas.openxmlformats.org/drawingml/2006/main" xmlns:r="http://schemas.openxmlformats.org/officeDocument/2006/relationships" xmlns:p="http://schemas.openxmlformats.org/presentationml/2006/main">
-  <p:cSld>
-    <p:spTree>
-      <p:nvGrpSpPr>
-        <p:cNvPr id="1" name=""/>
-        <p:cNvGrpSpPr/>
-        <p:nvPr/>
-      </p:nvGrpSpPr>
-      <p:grpSpPr>
-        <a:xfrm>
-          <a:off x="0" y="0"/>
-          <a:ext cx="0" cy="0"/>
-          <a:chOff x="0" y="0"/>
-          <a:chExt cx="0" cy="0"/>
-        </a:xfrm>
-      </p:grpSpPr>
-      <p:sp>
-        <p:nvSpPr>
-          <p:cNvPr id="2" name="Slide Image Placeholder 1"/>
-          <p:cNvSpPr>
-            <a:spLocks noGrp="1" noRot="1" noChangeAspect="1"/>
-          </p:cNvSpPr>
-          <p:nvPr>
-            <p:ph type="sldImg"/>
-          </p:nvPr>
-        </p:nvSpPr>
-        <p:spPr/>
-      </p:sp>
-      <p:sp>
-        <p:nvSpPr>
-          <p:cNvPr id="3" name="Notes Placeholder 2"/>
-          <p:cNvSpPr>
-            <a:spLocks noGrp="1"/>
-          </p:cNvSpPr>
-          <p:nvPr>
-            <p:ph type="body" idx="1"/>
-          </p:nvPr>
-        </p:nvSpPr>
-        <p:spPr/>
-        <p:txBody>
-          <a:bodyPr/>
-          <a:lstStyle/>
-          <a:p>
-            <a:endParaRPr lang="en-PH" dirty="0"/>
-          </a:p>
-        </p:txBody>
-      </p:sp>
-      <p:sp>
-        <p:nvSpPr>
-          <p:cNvPr id="4" name="Slide Number Placeholder 3"/>
-          <p:cNvSpPr>
-            <a:spLocks noGrp="1"/>
-          </p:cNvSpPr>
-          <p:nvPr>
-            <p:ph type="sldNum" sz="quarter" idx="5"/>
-          </p:nvPr>
-        </p:nvSpPr>
-        <p:spPr/>
-        <p:txBody>
-          <a:bodyPr/>
-          <a:lstStyle/>
-          <a:p>
-            <a:fld id="{AF4827CC-8316-45DB-BFE4-76A6FE932D57}" type="slidenum">
-              <a:rPr lang="en-PH" smtClean="0"/>
-              <a:t>11</a:t>
-            </a:fld>
-            <a:endParaRPr lang="en-PH"/>
-          </a:p>
-        </p:txBody>
-      </p:sp>
-    </p:spTree>
-    <p:extLst>
-      <p:ext uri="{BB962C8B-B14F-4D97-AF65-F5344CB8AC3E}">
-        <p14:creationId xmlns:p14="http://schemas.microsoft.com/office/powerpoint/2010/main" val="459599653"/>
-      </p:ext>
-    </p:extLst>
-  </p:cSld>
-  <p:clrMapOvr>
-    <a:masterClrMapping/>
-  </p:clrMapOvr>
-</p:notes>
-</file>
-
 <file path=ppt/notesSlides/notesSlide2.xml><?xml version="1.0" encoding="utf-8"?>
 <p:notes xmlns:a="http://schemas.openxmlformats.org/drawingml/2006/main" xmlns:r="http://schemas.openxmlformats.org/officeDocument/2006/relationships" xmlns:p="http://schemas.openxmlformats.org/presentationml/2006/main">
   <p:cSld>
@@ -1389,7 +1219,7 @@
     </p:spTree>
     <p:extLst>
       <p:ext uri="{BB962C8B-B14F-4D97-AF65-F5344CB8AC3E}">
-        <p14:creationId xmlns:p14="http://schemas.microsoft.com/office/powerpoint/2010/main" val="1451451880"/>
+        <p14:creationId xmlns:p14="http://schemas.microsoft.com/office/powerpoint/2010/main" val="459599653"/>
       </p:ext>
     </p:extLst>
   </p:cSld>
@@ -5038,386 +4868,6 @@
 </p:sld>
 </file>
 
-<file path=ppt/slides/slide10.xml><?xml version="1.0" encoding="utf-8"?>
-<p:sld xmlns:a="http://schemas.openxmlformats.org/drawingml/2006/main" xmlns:r="http://schemas.openxmlformats.org/officeDocument/2006/relationships" xmlns:p="http://schemas.openxmlformats.org/presentationml/2006/main">
-  <p:cSld>
-    <p:spTree>
-      <p:nvGrpSpPr>
-        <p:cNvPr id="1" name=""/>
-        <p:cNvGrpSpPr/>
-        <p:nvPr/>
-      </p:nvGrpSpPr>
-      <p:grpSpPr>
-        <a:xfrm>
-          <a:off x="0" y="0"/>
-          <a:ext cx="0" cy="0"/>
-          <a:chOff x="0" y="0"/>
-          <a:chExt cx="0" cy="0"/>
-        </a:xfrm>
-      </p:grpSpPr>
-      <p:sp>
-        <p:nvSpPr>
-          <p:cNvPr id="2" name="Title 1">
-            <a:extLst>
-              <a:ext uri="{FF2B5EF4-FFF2-40B4-BE49-F238E27FC236}">
-                <a16:creationId xmlns:a16="http://schemas.microsoft.com/office/drawing/2014/main" id="{ECDDD165-D2D5-806C-C076-68C2E4038715}"/>
-              </a:ext>
-            </a:extLst>
-          </p:cNvPr>
-          <p:cNvSpPr>
-            <a:spLocks noGrp="1"/>
-          </p:cNvSpPr>
-          <p:nvPr>
-            <p:ph type="title"/>
-          </p:nvPr>
-        </p:nvSpPr>
-        <p:spPr>
-          <a:xfrm>
-            <a:off x="381000" y="365837"/>
-            <a:ext cx="11452860" cy="540066"/>
-          </a:xfrm>
-        </p:spPr>
-        <p:txBody>
-          <a:bodyPr>
-            <a:noAutofit/>
-          </a:bodyPr>
-          <a:lstStyle/>
-          <a:p>
-            <a:r>
-              <a:rPr lang="en-US" sz="3600" b="1" dirty="0">
-                <a:latin typeface="Arial" panose="020B0604020202020204" pitchFamily="34" charset="0"/>
-                <a:cs typeface="Arial" panose="020B0604020202020204" pitchFamily="34" charset="0"/>
-              </a:rPr>
-              <a:t>DFA to </a:t>
-            </a:r>
-            <a:r>
-              <a:rPr lang="en-US" sz="3600" b="1" dirty="0" err="1">
-                <a:latin typeface="Arial" panose="020B0604020202020204" pitchFamily="34" charset="0"/>
-                <a:cs typeface="Arial" panose="020B0604020202020204" pitchFamily="34" charset="0"/>
-              </a:rPr>
-              <a:t>RegEx</a:t>
-            </a:r>
-            <a:r>
-              <a:rPr lang="en-US" sz="3600" b="1">
-                <a:latin typeface="Arial" panose="020B0604020202020204" pitchFamily="34" charset="0"/>
-                <a:cs typeface="Arial" panose="020B0604020202020204" pitchFamily="34" charset="0"/>
-              </a:rPr>
-              <a:t> (3)</a:t>
-            </a:r>
-            <a:endParaRPr lang="en-US" sz="3600" b="1" dirty="0">
-              <a:latin typeface="Arial" panose="020B0604020202020204" pitchFamily="34" charset="0"/>
-              <a:cs typeface="Arial" panose="020B0604020202020204" pitchFamily="34" charset="0"/>
-            </a:endParaRPr>
-          </a:p>
-        </p:txBody>
-      </p:sp>
-      <p:sp>
-        <p:nvSpPr>
-          <p:cNvPr id="4" name="Rectangle 3">
-            <a:extLst>
-              <a:ext uri="{FF2B5EF4-FFF2-40B4-BE49-F238E27FC236}">
-                <a16:creationId xmlns:a16="http://schemas.microsoft.com/office/drawing/2014/main" id="{5678197B-F4C7-4A21-8A98-BE580A1C57A5}"/>
-              </a:ext>
-            </a:extLst>
-          </p:cNvPr>
-          <p:cNvSpPr/>
-          <p:nvPr/>
-        </p:nvSpPr>
-        <p:spPr>
-          <a:xfrm>
-            <a:off x="0" y="6210300"/>
-            <a:ext cx="12192000" cy="647700"/>
-          </a:xfrm>
-          <a:prstGeom prst="rect">
-            <a:avLst/>
-          </a:prstGeom>
-          <a:solidFill>
-            <a:srgbClr val="C44D56"/>
-          </a:solidFill>
-          <a:ln>
-            <a:noFill/>
-          </a:ln>
-        </p:spPr>
-        <p:style>
-          <a:lnRef idx="2">
-            <a:schemeClr val="accent1">
-              <a:shade val="50000"/>
-            </a:schemeClr>
-          </a:lnRef>
-          <a:fillRef idx="1">
-            <a:schemeClr val="accent1"/>
-          </a:fillRef>
-          <a:effectRef idx="0">
-            <a:schemeClr val="accent1"/>
-          </a:effectRef>
-          <a:fontRef idx="minor">
-            <a:schemeClr val="lt1"/>
-          </a:fontRef>
-        </p:style>
-        <p:txBody>
-          <a:bodyPr rtlCol="0" anchor="ctr"/>
-          <a:lstStyle/>
-          <a:p>
-            <a:pPr algn="ctr"/>
-            <a:endParaRPr lang="en-US">
-              <a:solidFill>
-                <a:srgbClr val="C44D56"/>
-              </a:solidFill>
-            </a:endParaRPr>
-          </a:p>
-        </p:txBody>
-      </p:sp>
-      <p:sp>
-        <p:nvSpPr>
-          <p:cNvPr id="5" name="TextBox 4">
-            <a:extLst>
-              <a:ext uri="{FF2B5EF4-FFF2-40B4-BE49-F238E27FC236}">
-                <a16:creationId xmlns:a16="http://schemas.microsoft.com/office/drawing/2014/main" id="{4A594CE6-A495-4685-8C5D-9BCF5069F3F5}"/>
-              </a:ext>
-            </a:extLst>
-          </p:cNvPr>
-          <p:cNvSpPr txBox="1"/>
-          <p:nvPr/>
-        </p:nvSpPr>
-        <p:spPr>
-          <a:xfrm>
-            <a:off x="8801358" y="6349484"/>
-            <a:ext cx="3231892" cy="369332"/>
-          </a:xfrm>
-          <a:prstGeom prst="rect">
-            <a:avLst/>
-          </a:prstGeom>
-          <a:noFill/>
-        </p:spPr>
-        <p:txBody>
-          <a:bodyPr wrap="square" rtlCol="0">
-            <a:spAutoFit/>
-          </a:bodyPr>
-          <a:lstStyle/>
-          <a:p>
-            <a:pPr algn="r"/>
-            <a:r>
-              <a:rPr lang="en-US" dirty="0">
-                <a:solidFill>
-                  <a:schemeClr val="bg1"/>
-                </a:solidFill>
-                <a:latin typeface="Consolas" panose="020B0609020204030204" pitchFamily="49" charset="0"/>
-              </a:rPr>
-              <a:t>Louis Philippe Facun</a:t>
-            </a:r>
-          </a:p>
-        </p:txBody>
-      </p:sp>
-      <p:sp>
-        <p:nvSpPr>
-          <p:cNvPr id="6" name="TextBox 5">
-            <a:extLst>
-              <a:ext uri="{FF2B5EF4-FFF2-40B4-BE49-F238E27FC236}">
-                <a16:creationId xmlns:a16="http://schemas.microsoft.com/office/drawing/2014/main" id="{A2E042F5-6E5A-4F11-847F-7F6C4FE314A3}"/>
-              </a:ext>
-            </a:extLst>
-          </p:cNvPr>
-          <p:cNvSpPr txBox="1"/>
-          <p:nvPr/>
-        </p:nvSpPr>
-        <p:spPr>
-          <a:xfrm>
-            <a:off x="250448" y="6349484"/>
-            <a:ext cx="3231892" cy="369332"/>
-          </a:xfrm>
-          <a:prstGeom prst="rect">
-            <a:avLst/>
-          </a:prstGeom>
-          <a:noFill/>
-        </p:spPr>
-        <p:txBody>
-          <a:bodyPr wrap="square" rtlCol="0">
-            <a:spAutoFit/>
-          </a:bodyPr>
-          <a:lstStyle/>
-          <a:p>
-            <a:r>
-              <a:rPr lang="en-US" dirty="0">
-                <a:solidFill>
-                  <a:schemeClr val="bg1"/>
-                </a:solidFill>
-                <a:latin typeface="Consolas" panose="020B0609020204030204" pitchFamily="49" charset="0"/>
-              </a:rPr>
-              <a:t>CSPC 105</a:t>
-            </a:r>
-          </a:p>
-        </p:txBody>
-      </p:sp>
-      <p:pic>
-        <p:nvPicPr>
-          <p:cNvPr id="3074" name="Picture 2" descr="Examples of NFA">
-            <a:extLst>
-              <a:ext uri="{FF2B5EF4-FFF2-40B4-BE49-F238E27FC236}">
-                <a16:creationId xmlns:a16="http://schemas.microsoft.com/office/drawing/2014/main" id="{4C97CD7E-A2DB-B0B3-0B38-DF32E23BF2ED}"/>
-              </a:ext>
-            </a:extLst>
-          </p:cNvPr>
-          <p:cNvPicPr>
-            <a:picLocks noChangeAspect="1" noChangeArrowheads="1"/>
-          </p:cNvPicPr>
-          <p:nvPr/>
-        </p:nvPicPr>
-        <p:blipFill>
-          <a:blip r:embed="rId3">
-            <a:extLst>
-              <a:ext uri="{28A0092B-C50C-407E-A947-70E740481C1C}">
-                <a14:useLocalDpi xmlns:a14="http://schemas.microsoft.com/office/drawing/2010/main" val="0"/>
-              </a:ext>
-            </a:extLst>
-          </a:blip>
-          <a:srcRect/>
-          <a:stretch>
-            <a:fillRect/>
-          </a:stretch>
-        </p:blipFill>
-        <p:spPr bwMode="auto">
-          <a:xfrm>
-            <a:off x="569231" y="1250270"/>
-            <a:ext cx="7126583" cy="3931331"/>
-          </a:xfrm>
-          <a:prstGeom prst="rect">
-            <a:avLst/>
-          </a:prstGeom>
-          <a:noFill/>
-          <a:extLst>
-            <a:ext uri="{909E8E84-426E-40DD-AFC4-6F175D3DCCD1}">
-              <a14:hiddenFill xmlns:a14="http://schemas.microsoft.com/office/drawing/2010/main">
-                <a:solidFill>
-                  <a:srgbClr val="FFFFFF"/>
-                </a:solidFill>
-              </a14:hiddenFill>
-            </a:ext>
-          </a:extLst>
-        </p:spPr>
-      </p:pic>
-    </p:spTree>
-    <p:extLst>
-      <p:ext uri="{BB962C8B-B14F-4D97-AF65-F5344CB8AC3E}">
-        <p14:creationId xmlns:p14="http://schemas.microsoft.com/office/powerpoint/2010/main" val="2883132876"/>
-      </p:ext>
-    </p:extLst>
-  </p:cSld>
-  <p:clrMapOvr>
-    <a:masterClrMapping/>
-  </p:clrMapOvr>
-</p:sld>
-</file>
-
-<file path=ppt/slides/slide11.xml><?xml version="1.0" encoding="utf-8"?>
-<p:sld xmlns:a="http://schemas.openxmlformats.org/drawingml/2006/main" xmlns:r="http://schemas.openxmlformats.org/officeDocument/2006/relationships" xmlns:p="http://schemas.openxmlformats.org/presentationml/2006/main">
-  <p:cSld>
-    <p:spTree>
-      <p:nvGrpSpPr>
-        <p:cNvPr id="1" name=""/>
-        <p:cNvGrpSpPr/>
-        <p:nvPr/>
-      </p:nvGrpSpPr>
-      <p:grpSpPr>
-        <a:xfrm>
-          <a:off x="0" y="0"/>
-          <a:ext cx="0" cy="0"/>
-          <a:chOff x="0" y="0"/>
-          <a:chExt cx="0" cy="0"/>
-        </a:xfrm>
-      </p:grpSpPr>
-      <p:sp>
-        <p:nvSpPr>
-          <p:cNvPr id="2" name="Title 1">
-            <a:extLst>
-              <a:ext uri="{FF2B5EF4-FFF2-40B4-BE49-F238E27FC236}">
-                <a16:creationId xmlns:a16="http://schemas.microsoft.com/office/drawing/2014/main" id="{ECDDD165-D2D5-806C-C076-68C2E4038715}"/>
-              </a:ext>
-            </a:extLst>
-          </p:cNvPr>
-          <p:cNvSpPr>
-            <a:spLocks noGrp="1"/>
-          </p:cNvSpPr>
-          <p:nvPr>
-            <p:ph type="title"/>
-          </p:nvPr>
-        </p:nvSpPr>
-        <p:spPr>
-          <a:xfrm>
-            <a:off x="369570" y="3158967"/>
-            <a:ext cx="11452860" cy="540066"/>
-          </a:xfrm>
-        </p:spPr>
-        <p:txBody>
-          <a:bodyPr>
-            <a:noAutofit/>
-          </a:bodyPr>
-          <a:lstStyle/>
-          <a:p>
-            <a:pPr algn="ctr"/>
-            <a:r>
-              <a:rPr lang="en-US" sz="3600" b="1" dirty="0">
-                <a:latin typeface="Arial" panose="020B0604020202020204" pitchFamily="34" charset="0"/>
-                <a:cs typeface="Arial" panose="020B0604020202020204" pitchFamily="34" charset="0"/>
-              </a:rPr>
-              <a:t>Questions?</a:t>
-            </a:r>
-          </a:p>
-        </p:txBody>
-      </p:sp>
-      <p:sp>
-        <p:nvSpPr>
-          <p:cNvPr id="5" name="TextBox 4">
-            <a:extLst>
-              <a:ext uri="{FF2B5EF4-FFF2-40B4-BE49-F238E27FC236}">
-                <a16:creationId xmlns:a16="http://schemas.microsoft.com/office/drawing/2014/main" id="{4A594CE6-A495-4685-8C5D-9BCF5069F3F5}"/>
-              </a:ext>
-            </a:extLst>
-          </p:cNvPr>
-          <p:cNvSpPr txBox="1"/>
-          <p:nvPr/>
-        </p:nvSpPr>
-        <p:spPr>
-          <a:xfrm>
-            <a:off x="8801358" y="6349484"/>
-            <a:ext cx="3231892" cy="369332"/>
-          </a:xfrm>
-          <a:prstGeom prst="rect">
-            <a:avLst/>
-          </a:prstGeom>
-          <a:noFill/>
-        </p:spPr>
-        <p:txBody>
-          <a:bodyPr wrap="square" rtlCol="0">
-            <a:spAutoFit/>
-          </a:bodyPr>
-          <a:lstStyle/>
-          <a:p>
-            <a:pPr algn="r"/>
-            <a:r>
-              <a:rPr lang="en-US" dirty="0">
-                <a:solidFill>
-                  <a:schemeClr val="bg1"/>
-                </a:solidFill>
-                <a:latin typeface="Consolas" panose="020B0609020204030204" pitchFamily="49" charset="0"/>
-              </a:rPr>
-              <a:t>Louis Philippe Facun</a:t>
-            </a:r>
-          </a:p>
-        </p:txBody>
-      </p:sp>
-    </p:spTree>
-    <p:extLst>
-      <p:ext uri="{BB962C8B-B14F-4D97-AF65-F5344CB8AC3E}">
-        <p14:creationId xmlns:p14="http://schemas.microsoft.com/office/powerpoint/2010/main" val="1881914120"/>
-      </p:ext>
-    </p:extLst>
-  </p:cSld>
-  <p:clrMapOvr>
-    <a:masterClrMapping/>
-  </p:clrMapOvr>
-</p:sld>
-</file>
-
 <file path=ppt/slides/slide2.xml><?xml version="1.0" encoding="utf-8"?>
 <p:sld xmlns:a="http://schemas.openxmlformats.org/drawingml/2006/main" xmlns:r="http://schemas.openxmlformats.org/officeDocument/2006/relationships" xmlns:p="http://schemas.openxmlformats.org/presentationml/2006/main">
   <p:cSld>
@@ -9415,7 +8865,7 @@
         </p:nvSpPr>
         <p:spPr>
           <a:xfrm>
-            <a:off x="381000" y="365837"/>
+            <a:off x="369570" y="3158967"/>
             <a:ext cx="11452860" cy="540066"/>
           </a:xfrm>
         </p:spPr>
@@ -9425,83 +8875,14 @@
           </a:bodyPr>
           <a:lstStyle/>
           <a:p>
+            <a:pPr algn="ctr"/>
             <a:r>
               <a:rPr lang="en-US" sz="3600" b="1" dirty="0">
                 <a:latin typeface="Arial" panose="020B0604020202020204" pitchFamily="34" charset="0"/>
                 <a:cs typeface="Arial" panose="020B0604020202020204" pitchFamily="34" charset="0"/>
               </a:rPr>
-              <a:t>DFA to </a:t>
-            </a:r>
-            <a:r>
-              <a:rPr lang="en-US" sz="3600" b="1" dirty="0" err="1">
-                <a:latin typeface="Arial" panose="020B0604020202020204" pitchFamily="34" charset="0"/>
-                <a:cs typeface="Arial" panose="020B0604020202020204" pitchFamily="34" charset="0"/>
-              </a:rPr>
-              <a:t>RegEx</a:t>
-            </a:r>
-            <a:r>
-              <a:rPr lang="en-US" sz="3600" b="1" dirty="0">
-                <a:latin typeface="Arial" panose="020B0604020202020204" pitchFamily="34" charset="0"/>
-                <a:cs typeface="Arial" panose="020B0604020202020204" pitchFamily="34" charset="0"/>
-              </a:rPr>
-              <a:t> (2)</a:t>
-            </a:r>
-          </a:p>
-        </p:txBody>
-      </p:sp>
-      <p:sp>
-        <p:nvSpPr>
-          <p:cNvPr id="4" name="Rectangle 3">
-            <a:extLst>
-              <a:ext uri="{FF2B5EF4-FFF2-40B4-BE49-F238E27FC236}">
-                <a16:creationId xmlns:a16="http://schemas.microsoft.com/office/drawing/2014/main" id="{5678197B-F4C7-4A21-8A98-BE580A1C57A5}"/>
-              </a:ext>
-            </a:extLst>
-          </p:cNvPr>
-          <p:cNvSpPr/>
-          <p:nvPr/>
-        </p:nvSpPr>
-        <p:spPr>
-          <a:xfrm>
-            <a:off x="0" y="6210300"/>
-            <a:ext cx="12192000" cy="647700"/>
-          </a:xfrm>
-          <a:prstGeom prst="rect">
-            <a:avLst/>
-          </a:prstGeom>
-          <a:solidFill>
-            <a:srgbClr val="C44D56"/>
-          </a:solidFill>
-          <a:ln>
-            <a:noFill/>
-          </a:ln>
-        </p:spPr>
-        <p:style>
-          <a:lnRef idx="2">
-            <a:schemeClr val="accent1">
-              <a:shade val="50000"/>
-            </a:schemeClr>
-          </a:lnRef>
-          <a:fillRef idx="1">
-            <a:schemeClr val="accent1"/>
-          </a:fillRef>
-          <a:effectRef idx="0">
-            <a:schemeClr val="accent1"/>
-          </a:effectRef>
-          <a:fontRef idx="minor">
-            <a:schemeClr val="lt1"/>
-          </a:fontRef>
-        </p:style>
-        <p:txBody>
-          <a:bodyPr rtlCol="0" anchor="ctr"/>
-          <a:lstStyle/>
-          <a:p>
-            <a:pPr algn="ctr"/>
-            <a:endParaRPr lang="en-US">
-              <a:solidFill>
-                <a:srgbClr val="C44D56"/>
-              </a:solidFill>
-            </a:endParaRPr>
+              <a:t>Questions?</a:t>
+            </a:r>
           </a:p>
         </p:txBody>
       </p:sp>
@@ -9546,417 +8927,10 @@
           </a:p>
         </p:txBody>
       </p:sp>
-      <p:sp>
-        <p:nvSpPr>
-          <p:cNvPr id="6" name="TextBox 5">
-            <a:extLst>
-              <a:ext uri="{FF2B5EF4-FFF2-40B4-BE49-F238E27FC236}">
-                <a16:creationId xmlns:a16="http://schemas.microsoft.com/office/drawing/2014/main" id="{A2E042F5-6E5A-4F11-847F-7F6C4FE314A3}"/>
-              </a:ext>
-            </a:extLst>
-          </p:cNvPr>
-          <p:cNvSpPr txBox="1"/>
-          <p:nvPr/>
-        </p:nvSpPr>
-        <p:spPr>
-          <a:xfrm>
-            <a:off x="250448" y="6349484"/>
-            <a:ext cx="3231892" cy="369332"/>
-          </a:xfrm>
-          <a:prstGeom prst="rect">
-            <a:avLst/>
-          </a:prstGeom>
-          <a:noFill/>
-        </p:spPr>
-        <p:txBody>
-          <a:bodyPr wrap="square" rtlCol="0">
-            <a:spAutoFit/>
-          </a:bodyPr>
-          <a:lstStyle/>
-          <a:p>
-            <a:r>
-              <a:rPr lang="en-US" dirty="0">
-                <a:solidFill>
-                  <a:schemeClr val="bg1"/>
-                </a:solidFill>
-                <a:latin typeface="Consolas" panose="020B0609020204030204" pitchFamily="49" charset="0"/>
-              </a:rPr>
-              <a:t>CSPC 105</a:t>
-            </a:r>
-          </a:p>
-        </p:txBody>
-      </p:sp>
-      <p:pic>
-        <p:nvPicPr>
-          <p:cNvPr id="10" name="Picture 9">
-            <a:extLst>
-              <a:ext uri="{FF2B5EF4-FFF2-40B4-BE49-F238E27FC236}">
-                <a16:creationId xmlns:a16="http://schemas.microsoft.com/office/drawing/2014/main" id="{AE41817F-E830-EA13-A93A-6A50F8EE4369}"/>
-              </a:ext>
-            </a:extLst>
-          </p:cNvPr>
-          <p:cNvPicPr>
-            <a:picLocks noChangeAspect="1"/>
-          </p:cNvPicPr>
-          <p:nvPr/>
-        </p:nvPicPr>
-        <p:blipFill>
-          <a:blip r:embed="rId3"/>
-          <a:stretch>
-            <a:fillRect/>
-          </a:stretch>
-        </p:blipFill>
-        <p:spPr>
-          <a:xfrm>
-            <a:off x="544740" y="1380506"/>
-            <a:ext cx="6283388" cy="2814124"/>
-          </a:xfrm>
-          <a:prstGeom prst="rect">
-            <a:avLst/>
-          </a:prstGeom>
-        </p:spPr>
-      </p:pic>
-      <p:sp>
-        <p:nvSpPr>
-          <p:cNvPr id="7" name="Content Placeholder 2">
-            <a:extLst>
-              <a:ext uri="{FF2B5EF4-FFF2-40B4-BE49-F238E27FC236}">
-                <a16:creationId xmlns:a16="http://schemas.microsoft.com/office/drawing/2014/main" id="{D70BDD6E-EF8F-6315-46C4-8078CBBE9EFE}"/>
-              </a:ext>
-            </a:extLst>
-          </p:cNvPr>
-          <p:cNvSpPr>
-            <a:spLocks noGrp="1"/>
-          </p:cNvSpPr>
-          <p:nvPr>
-            <p:ph idx="1"/>
-          </p:nvPr>
-        </p:nvSpPr>
-        <p:spPr>
-          <a:xfrm>
-            <a:off x="811611" y="4296711"/>
-            <a:ext cx="3867442" cy="1071789"/>
-          </a:xfrm>
-        </p:spPr>
-        <p:txBody>
-          <a:bodyPr>
-            <a:normAutofit/>
-          </a:bodyPr>
-          <a:lstStyle/>
-          <a:p>
-            <a:pPr marL="0" indent="0">
-              <a:lnSpc>
-                <a:spcPct val="150000"/>
-              </a:lnSpc>
-              <a:buNone/>
-            </a:pPr>
-            <a:r>
-              <a:rPr lang="en-US" sz="3600" dirty="0">
-                <a:latin typeface="Consolas" panose="020B0609020204030204" pitchFamily="49" charset="0"/>
-                <a:cs typeface="Arial" panose="020B0604020202020204" pitchFamily="34" charset="0"/>
-              </a:rPr>
-              <a:t>0*</a:t>
-            </a:r>
-            <a:endParaRPr lang="en-GB" sz="3600" dirty="0">
-              <a:latin typeface="Consolas" panose="020B0609020204030204" pitchFamily="49" charset="0"/>
-              <a:cs typeface="Arial" panose="020B0604020202020204" pitchFamily="34" charset="0"/>
-            </a:endParaRPr>
-          </a:p>
-        </p:txBody>
-      </p:sp>
-      <p:sp>
-        <p:nvSpPr>
-          <p:cNvPr id="8" name="Content Placeholder 2">
-            <a:extLst>
-              <a:ext uri="{FF2B5EF4-FFF2-40B4-BE49-F238E27FC236}">
-                <a16:creationId xmlns:a16="http://schemas.microsoft.com/office/drawing/2014/main" id="{44679353-A351-6280-4BBE-A5454D7E0F71}"/>
-              </a:ext>
-            </a:extLst>
-          </p:cNvPr>
-          <p:cNvSpPr txBox="1">
-            <a:spLocks/>
-          </p:cNvSpPr>
-          <p:nvPr/>
-        </p:nvSpPr>
-        <p:spPr>
-          <a:xfrm>
-            <a:off x="7819599" y="635870"/>
-            <a:ext cx="3991401" cy="4813067"/>
-          </a:xfrm>
-          <a:prstGeom prst="rect">
-            <a:avLst/>
-          </a:prstGeom>
-        </p:spPr>
-        <p:txBody>
-          <a:bodyPr vert="horz" lIns="91440" tIns="45720" rIns="91440" bIns="45720" rtlCol="0">
-            <a:normAutofit lnSpcReduction="10000"/>
-          </a:bodyPr>
-          <a:lstStyle>
-            <a:lvl1pPr marL="228600" indent="-228600" algn="l" defTabSz="914400" rtl="0" eaLnBrk="1" latinLnBrk="0" hangingPunct="1">
-              <a:lnSpc>
-                <a:spcPct val="90000"/>
-              </a:lnSpc>
-              <a:spcBef>
-                <a:spcPts val="1000"/>
-              </a:spcBef>
-              <a:buFont typeface="Arial" panose="020B0604020202020204" pitchFamily="34" charset="0"/>
-              <a:buChar char="•"/>
-              <a:defRPr sz="2800" kern="1200">
-                <a:solidFill>
-                  <a:schemeClr val="tx1"/>
-                </a:solidFill>
-                <a:latin typeface="+mn-lt"/>
-                <a:ea typeface="+mn-ea"/>
-                <a:cs typeface="+mn-cs"/>
-              </a:defRPr>
-            </a:lvl1pPr>
-            <a:lvl2pPr marL="685800" indent="-228600" algn="l" defTabSz="914400" rtl="0" eaLnBrk="1" latinLnBrk="0" hangingPunct="1">
-              <a:lnSpc>
-                <a:spcPct val="90000"/>
-              </a:lnSpc>
-              <a:spcBef>
-                <a:spcPts val="500"/>
-              </a:spcBef>
-              <a:buFont typeface="Arial" panose="020B0604020202020204" pitchFamily="34" charset="0"/>
-              <a:buChar char="•"/>
-              <a:defRPr sz="2400" kern="1200">
-                <a:solidFill>
-                  <a:schemeClr val="tx1"/>
-                </a:solidFill>
-                <a:latin typeface="+mn-lt"/>
-                <a:ea typeface="+mn-ea"/>
-                <a:cs typeface="+mn-cs"/>
-              </a:defRPr>
-            </a:lvl2pPr>
-            <a:lvl3pPr marL="1143000" indent="-228600" algn="l" defTabSz="914400" rtl="0" eaLnBrk="1" latinLnBrk="0" hangingPunct="1">
-              <a:lnSpc>
-                <a:spcPct val="90000"/>
-              </a:lnSpc>
-              <a:spcBef>
-                <a:spcPts val="500"/>
-              </a:spcBef>
-              <a:buFont typeface="Arial" panose="020B0604020202020204" pitchFamily="34" charset="0"/>
-              <a:buChar char="•"/>
-              <a:defRPr sz="2000" kern="1200">
-                <a:solidFill>
-                  <a:schemeClr val="tx1"/>
-                </a:solidFill>
-                <a:latin typeface="+mn-lt"/>
-                <a:ea typeface="+mn-ea"/>
-                <a:cs typeface="+mn-cs"/>
-              </a:defRPr>
-            </a:lvl3pPr>
-            <a:lvl4pPr marL="1600200" indent="-228600" algn="l" defTabSz="914400" rtl="0" eaLnBrk="1" latinLnBrk="0" hangingPunct="1">
-              <a:lnSpc>
-                <a:spcPct val="90000"/>
-              </a:lnSpc>
-              <a:spcBef>
-                <a:spcPts val="500"/>
-              </a:spcBef>
-              <a:buFont typeface="Arial" panose="020B0604020202020204" pitchFamily="34" charset="0"/>
-              <a:buChar char="•"/>
-              <a:defRPr sz="1800" kern="1200">
-                <a:solidFill>
-                  <a:schemeClr val="tx1"/>
-                </a:solidFill>
-                <a:latin typeface="+mn-lt"/>
-                <a:ea typeface="+mn-ea"/>
-                <a:cs typeface="+mn-cs"/>
-              </a:defRPr>
-            </a:lvl4pPr>
-            <a:lvl5pPr marL="2057400" indent="-228600" algn="l" defTabSz="914400" rtl="0" eaLnBrk="1" latinLnBrk="0" hangingPunct="1">
-              <a:lnSpc>
-                <a:spcPct val="90000"/>
-              </a:lnSpc>
-              <a:spcBef>
-                <a:spcPts val="500"/>
-              </a:spcBef>
-              <a:buFont typeface="Arial" panose="020B0604020202020204" pitchFamily="34" charset="0"/>
-              <a:buChar char="•"/>
-              <a:defRPr sz="1800" kern="1200">
-                <a:solidFill>
-                  <a:schemeClr val="tx1"/>
-                </a:solidFill>
-                <a:latin typeface="+mn-lt"/>
-                <a:ea typeface="+mn-ea"/>
-                <a:cs typeface="+mn-cs"/>
-              </a:defRPr>
-            </a:lvl5pPr>
-            <a:lvl6pPr marL="2514600" indent="-228600" algn="l" defTabSz="914400" rtl="0" eaLnBrk="1" latinLnBrk="0" hangingPunct="1">
-              <a:lnSpc>
-                <a:spcPct val="90000"/>
-              </a:lnSpc>
-              <a:spcBef>
-                <a:spcPts val="500"/>
-              </a:spcBef>
-              <a:buFont typeface="Arial" panose="020B0604020202020204" pitchFamily="34" charset="0"/>
-              <a:buChar char="•"/>
-              <a:defRPr sz="1800" kern="1200">
-                <a:solidFill>
-                  <a:schemeClr val="tx1"/>
-                </a:solidFill>
-                <a:latin typeface="+mn-lt"/>
-                <a:ea typeface="+mn-ea"/>
-                <a:cs typeface="+mn-cs"/>
-              </a:defRPr>
-            </a:lvl6pPr>
-            <a:lvl7pPr marL="2971800" indent="-228600" algn="l" defTabSz="914400" rtl="0" eaLnBrk="1" latinLnBrk="0" hangingPunct="1">
-              <a:lnSpc>
-                <a:spcPct val="90000"/>
-              </a:lnSpc>
-              <a:spcBef>
-                <a:spcPts val="500"/>
-              </a:spcBef>
-              <a:buFont typeface="Arial" panose="020B0604020202020204" pitchFamily="34" charset="0"/>
-              <a:buChar char="•"/>
-              <a:defRPr sz="1800" kern="1200">
-                <a:solidFill>
-                  <a:schemeClr val="tx1"/>
-                </a:solidFill>
-                <a:latin typeface="+mn-lt"/>
-                <a:ea typeface="+mn-ea"/>
-                <a:cs typeface="+mn-cs"/>
-              </a:defRPr>
-            </a:lvl7pPr>
-            <a:lvl8pPr marL="3429000" indent="-228600" algn="l" defTabSz="914400" rtl="0" eaLnBrk="1" latinLnBrk="0" hangingPunct="1">
-              <a:lnSpc>
-                <a:spcPct val="90000"/>
-              </a:lnSpc>
-              <a:spcBef>
-                <a:spcPts val="500"/>
-              </a:spcBef>
-              <a:buFont typeface="Arial" panose="020B0604020202020204" pitchFamily="34" charset="0"/>
-              <a:buChar char="•"/>
-              <a:defRPr sz="1800" kern="1200">
-                <a:solidFill>
-                  <a:schemeClr val="tx1"/>
-                </a:solidFill>
-                <a:latin typeface="+mn-lt"/>
-                <a:ea typeface="+mn-ea"/>
-                <a:cs typeface="+mn-cs"/>
-              </a:defRPr>
-            </a:lvl8pPr>
-            <a:lvl9pPr marL="3886200" indent="-228600" algn="l" defTabSz="914400" rtl="0" eaLnBrk="1" latinLnBrk="0" hangingPunct="1">
-              <a:lnSpc>
-                <a:spcPct val="90000"/>
-              </a:lnSpc>
-              <a:spcBef>
-                <a:spcPts val="500"/>
-              </a:spcBef>
-              <a:buFont typeface="Arial" panose="020B0604020202020204" pitchFamily="34" charset="0"/>
-              <a:buChar char="•"/>
-              <a:defRPr sz="1800" kern="1200">
-                <a:solidFill>
-                  <a:schemeClr val="tx1"/>
-                </a:solidFill>
-                <a:latin typeface="+mn-lt"/>
-                <a:ea typeface="+mn-ea"/>
-                <a:cs typeface="+mn-cs"/>
-              </a:defRPr>
-            </a:lvl9pPr>
-          </a:lstStyle>
-          <a:p>
-            <a:pPr marL="0" indent="0">
-              <a:lnSpc>
-                <a:spcPct val="150000"/>
-              </a:lnSpc>
-              <a:buFont typeface="Arial" panose="020B0604020202020204" pitchFamily="34" charset="0"/>
-              <a:buNone/>
-            </a:pPr>
-            <a:r>
-              <a:rPr lang="en-US" sz="3200" dirty="0">
-                <a:latin typeface="Consolas" panose="020B0609020204030204" pitchFamily="49" charset="0"/>
-                <a:cs typeface="Arial" panose="020B0604020202020204" pitchFamily="34" charset="0"/>
-              </a:rPr>
-              <a:t>Example strings:</a:t>
-            </a:r>
-          </a:p>
-          <a:p>
-            <a:pPr marL="0" indent="0">
-              <a:lnSpc>
-                <a:spcPct val="150000"/>
-              </a:lnSpc>
-              <a:buFont typeface="Arial" panose="020B0604020202020204" pitchFamily="34" charset="0"/>
-              <a:buNone/>
-            </a:pPr>
-            <a:r>
-              <a:rPr lang="en-US" sz="3200" dirty="0">
-                <a:latin typeface="Consolas" panose="020B0609020204030204" pitchFamily="49" charset="0"/>
-                <a:cs typeface="Arial" panose="020B0604020202020204" pitchFamily="34" charset="0"/>
-              </a:rPr>
-              <a:t>0</a:t>
-            </a:r>
-          </a:p>
-          <a:p>
-            <a:pPr marL="0" indent="0">
-              <a:lnSpc>
-                <a:spcPct val="150000"/>
-              </a:lnSpc>
-              <a:buFont typeface="Arial" panose="020B0604020202020204" pitchFamily="34" charset="0"/>
-              <a:buNone/>
-            </a:pPr>
-            <a:r>
-              <a:rPr lang="en-US" sz="3200" dirty="0">
-                <a:latin typeface="Consolas" panose="020B0609020204030204" pitchFamily="49" charset="0"/>
-                <a:cs typeface="Arial" panose="020B0604020202020204" pitchFamily="34" charset="0"/>
-              </a:rPr>
-              <a:t>00</a:t>
-            </a:r>
-          </a:p>
-          <a:p>
-            <a:pPr marL="0" indent="0">
-              <a:lnSpc>
-                <a:spcPct val="150000"/>
-              </a:lnSpc>
-              <a:buFont typeface="Arial" panose="020B0604020202020204" pitchFamily="34" charset="0"/>
-              <a:buNone/>
-            </a:pPr>
-            <a:r>
-              <a:rPr lang="en-US" sz="3200" dirty="0">
-                <a:latin typeface="Consolas" panose="020B0609020204030204" pitchFamily="49" charset="0"/>
-                <a:cs typeface="Arial" panose="020B0604020202020204" pitchFamily="34" charset="0"/>
-              </a:rPr>
-              <a:t>000</a:t>
-            </a:r>
-          </a:p>
-          <a:p>
-            <a:pPr marL="0" indent="0">
-              <a:lnSpc>
-                <a:spcPct val="150000"/>
-              </a:lnSpc>
-              <a:buFont typeface="Arial" panose="020B0604020202020204" pitchFamily="34" charset="0"/>
-              <a:buNone/>
-            </a:pPr>
-            <a:r>
-              <a:rPr lang="en-US" sz="3200" dirty="0">
-                <a:latin typeface="Consolas" panose="020B0609020204030204" pitchFamily="49" charset="0"/>
-                <a:cs typeface="Arial" panose="020B0604020202020204" pitchFamily="34" charset="0"/>
-              </a:rPr>
-              <a:t>0000</a:t>
-            </a:r>
-          </a:p>
-          <a:p>
-            <a:pPr marL="0" indent="0">
-              <a:lnSpc>
-                <a:spcPct val="150000"/>
-              </a:lnSpc>
-              <a:buFont typeface="Arial" panose="020B0604020202020204" pitchFamily="34" charset="0"/>
-              <a:buNone/>
-            </a:pPr>
-            <a:r>
-              <a:rPr lang="en-US" sz="3200" dirty="0">
-                <a:latin typeface="Consolas" panose="020B0609020204030204" pitchFamily="49" charset="0"/>
-                <a:cs typeface="Arial" panose="020B0604020202020204" pitchFamily="34" charset="0"/>
-              </a:rPr>
-              <a:t>00000</a:t>
-            </a:r>
-          </a:p>
-        </p:txBody>
-      </p:sp>
     </p:spTree>
     <p:extLst>
       <p:ext uri="{BB962C8B-B14F-4D97-AF65-F5344CB8AC3E}">
-        <p14:creationId xmlns:p14="http://schemas.microsoft.com/office/powerpoint/2010/main" val="4172011887"/>
+        <p14:creationId xmlns:p14="http://schemas.microsoft.com/office/powerpoint/2010/main" val="1881914120"/>
       </p:ext>
     </p:extLst>
   </p:cSld>
